--- a/ppt 16-9/1223.日子一天天过.pptx
+++ b/ppt 16-9/1223.日子一天天过.pptx
@@ -129,7 +129,7 @@
           <p:cNvPr id="2" name="标题 1">
             <a:extLst>
               <a:ext uri="{FF2B5EF4-FFF2-40B4-BE49-F238E27FC236}">
-                <a16:creationId xmlns:a16="http://schemas.microsoft.com/office/drawing/2014/main" id="{DC33DFA9-4006-2AC0-1C3D-DABA3DC86057}"/>
+                <a16:creationId xmlns:a16="http://schemas.microsoft.com/office/drawing/2014/main" id="{C826FF76-D58C-CF2A-BAF0-9CAD19B61602}"/>
               </a:ext>
             </a:extLst>
           </p:cNvPr>
@@ -166,7 +166,7 @@
           <p:cNvPr id="3" name="副标题 2">
             <a:extLst>
               <a:ext uri="{FF2B5EF4-FFF2-40B4-BE49-F238E27FC236}">
-                <a16:creationId xmlns:a16="http://schemas.microsoft.com/office/drawing/2014/main" id="{016B84B6-12CB-3C17-497F-7B020DB812C5}"/>
+                <a16:creationId xmlns:a16="http://schemas.microsoft.com/office/drawing/2014/main" id="{DF7FB016-C3E2-CDB4-A600-8C1117D94F3D}"/>
               </a:ext>
             </a:extLst>
           </p:cNvPr>
@@ -236,7 +236,7 @@
           <p:cNvPr id="4" name="日期占位符 3">
             <a:extLst>
               <a:ext uri="{FF2B5EF4-FFF2-40B4-BE49-F238E27FC236}">
-                <a16:creationId xmlns:a16="http://schemas.microsoft.com/office/drawing/2014/main" id="{FE58618C-7AF2-A660-D9D5-C5FFAD070A59}"/>
+                <a16:creationId xmlns:a16="http://schemas.microsoft.com/office/drawing/2014/main" id="{D3FC3A9A-3498-9385-80DB-881BC21D2AF3}"/>
               </a:ext>
             </a:extLst>
           </p:cNvPr>
@@ -252,7 +252,7 @@
           <a:bodyPr/>
           <a:lstStyle/>
           <a:p>
-            <a:fld id="{7CD8A7B3-DA0D-4616-9087-88E32F73DFAE}" type="datetimeFigureOut">
+            <a:fld id="{9A8B6693-4FB6-41D6-A1F7-B8BC29B86B07}" type="datetimeFigureOut">
               <a:rPr lang="zh-CN" altLang="en-US" smtClean="0"/>
               <a:t>2024/3/10</a:t>
             </a:fld>
@@ -265,7 +265,7 @@
           <p:cNvPr id="5" name="页脚占位符 4">
             <a:extLst>
               <a:ext uri="{FF2B5EF4-FFF2-40B4-BE49-F238E27FC236}">
-                <a16:creationId xmlns:a16="http://schemas.microsoft.com/office/drawing/2014/main" id="{3B9E06D2-19CE-64AE-2373-2E50E89D1F93}"/>
+                <a16:creationId xmlns:a16="http://schemas.microsoft.com/office/drawing/2014/main" id="{E0CF29B8-8EBF-1188-ED78-D3F28D148117}"/>
               </a:ext>
             </a:extLst>
           </p:cNvPr>
@@ -290,7 +290,7 @@
           <p:cNvPr id="6" name="灯片编号占位符 5">
             <a:extLst>
               <a:ext uri="{FF2B5EF4-FFF2-40B4-BE49-F238E27FC236}">
-                <a16:creationId xmlns:a16="http://schemas.microsoft.com/office/drawing/2014/main" id="{B62937C7-E2F2-462C-FA2A-03226A61741B}"/>
+                <a16:creationId xmlns:a16="http://schemas.microsoft.com/office/drawing/2014/main" id="{8A200BE3-0BCD-92ED-B4AD-ADB0063A9408}"/>
               </a:ext>
             </a:extLst>
           </p:cNvPr>
@@ -306,7 +306,7 @@
           <a:bodyPr/>
           <a:lstStyle/>
           <a:p>
-            <a:fld id="{E0CFA04E-AD7E-44F7-8530-55B59C526578}" type="slidenum">
+            <a:fld id="{63210E79-40E4-4571-A75B-5430D28B5630}" type="slidenum">
               <a:rPr lang="zh-CN" altLang="en-US" smtClean="0"/>
               <a:t>‹#›</a:t>
             </a:fld>
@@ -317,7 +317,7 @@
     </p:spTree>
     <p:extLst>
       <p:ext uri="{BB962C8B-B14F-4D97-AF65-F5344CB8AC3E}">
-        <p14:creationId xmlns:p14="http://schemas.microsoft.com/office/powerpoint/2010/main" val="1866030422"/>
+        <p14:creationId xmlns:p14="http://schemas.microsoft.com/office/powerpoint/2010/main" val="3933648569"/>
       </p:ext>
     </p:extLst>
   </p:cSld>
@@ -349,7 +349,7 @@
           <p:cNvPr id="2" name="标题 1">
             <a:extLst>
               <a:ext uri="{FF2B5EF4-FFF2-40B4-BE49-F238E27FC236}">
-                <a16:creationId xmlns:a16="http://schemas.microsoft.com/office/drawing/2014/main" id="{079067CB-2EDA-C79B-835F-720025C202F2}"/>
+                <a16:creationId xmlns:a16="http://schemas.microsoft.com/office/drawing/2014/main" id="{A017F2C1-4441-C234-E39D-8701902FC4D0}"/>
               </a:ext>
             </a:extLst>
           </p:cNvPr>
@@ -377,7 +377,7 @@
           <p:cNvPr id="3" name="竖排文字占位符 2">
             <a:extLst>
               <a:ext uri="{FF2B5EF4-FFF2-40B4-BE49-F238E27FC236}">
-                <a16:creationId xmlns:a16="http://schemas.microsoft.com/office/drawing/2014/main" id="{6CFDDE90-566B-BE8A-4B17-D40F6715A11F}"/>
+                <a16:creationId xmlns:a16="http://schemas.microsoft.com/office/drawing/2014/main" id="{3D948654-FB39-7444-3577-96B432FF1A33}"/>
               </a:ext>
             </a:extLst>
           </p:cNvPr>
@@ -434,7 +434,7 @@
           <p:cNvPr id="4" name="日期占位符 3">
             <a:extLst>
               <a:ext uri="{FF2B5EF4-FFF2-40B4-BE49-F238E27FC236}">
-                <a16:creationId xmlns:a16="http://schemas.microsoft.com/office/drawing/2014/main" id="{70E4FC29-BBA0-91E4-D499-25C00F23251B}"/>
+                <a16:creationId xmlns:a16="http://schemas.microsoft.com/office/drawing/2014/main" id="{25B03AB1-2E60-634D-67B1-0E17B00378EC}"/>
               </a:ext>
             </a:extLst>
           </p:cNvPr>
@@ -450,7 +450,7 @@
           <a:bodyPr/>
           <a:lstStyle/>
           <a:p>
-            <a:fld id="{7CD8A7B3-DA0D-4616-9087-88E32F73DFAE}" type="datetimeFigureOut">
+            <a:fld id="{9A8B6693-4FB6-41D6-A1F7-B8BC29B86B07}" type="datetimeFigureOut">
               <a:rPr lang="zh-CN" altLang="en-US" smtClean="0"/>
               <a:t>2024/3/10</a:t>
             </a:fld>
@@ -463,7 +463,7 @@
           <p:cNvPr id="5" name="页脚占位符 4">
             <a:extLst>
               <a:ext uri="{FF2B5EF4-FFF2-40B4-BE49-F238E27FC236}">
-                <a16:creationId xmlns:a16="http://schemas.microsoft.com/office/drawing/2014/main" id="{A1A94340-DB67-F768-102D-5786BB1AE2A8}"/>
+                <a16:creationId xmlns:a16="http://schemas.microsoft.com/office/drawing/2014/main" id="{EEAEA18E-ED78-5695-7F9B-EEF16602F9B6}"/>
               </a:ext>
             </a:extLst>
           </p:cNvPr>
@@ -488,7 +488,7 @@
           <p:cNvPr id="6" name="灯片编号占位符 5">
             <a:extLst>
               <a:ext uri="{FF2B5EF4-FFF2-40B4-BE49-F238E27FC236}">
-                <a16:creationId xmlns:a16="http://schemas.microsoft.com/office/drawing/2014/main" id="{02BBC094-566A-9B37-698C-7C625DC2AC9E}"/>
+                <a16:creationId xmlns:a16="http://schemas.microsoft.com/office/drawing/2014/main" id="{5B538B4E-E3C9-6D30-A217-EC86244E3C52}"/>
               </a:ext>
             </a:extLst>
           </p:cNvPr>
@@ -504,7 +504,7 @@
           <a:bodyPr/>
           <a:lstStyle/>
           <a:p>
-            <a:fld id="{E0CFA04E-AD7E-44F7-8530-55B59C526578}" type="slidenum">
+            <a:fld id="{63210E79-40E4-4571-A75B-5430D28B5630}" type="slidenum">
               <a:rPr lang="zh-CN" altLang="en-US" smtClean="0"/>
               <a:t>‹#›</a:t>
             </a:fld>
@@ -515,7 +515,7 @@
     </p:spTree>
     <p:extLst>
       <p:ext uri="{BB962C8B-B14F-4D97-AF65-F5344CB8AC3E}">
-        <p14:creationId xmlns:p14="http://schemas.microsoft.com/office/powerpoint/2010/main" val="3056726627"/>
+        <p14:creationId xmlns:p14="http://schemas.microsoft.com/office/powerpoint/2010/main" val="4013459461"/>
       </p:ext>
     </p:extLst>
   </p:cSld>
@@ -547,7 +547,7 @@
           <p:cNvPr id="2" name="竖排标题 1">
             <a:extLst>
               <a:ext uri="{FF2B5EF4-FFF2-40B4-BE49-F238E27FC236}">
-                <a16:creationId xmlns:a16="http://schemas.microsoft.com/office/drawing/2014/main" id="{FF91B45D-C513-3036-3937-F7C17902CA79}"/>
+                <a16:creationId xmlns:a16="http://schemas.microsoft.com/office/drawing/2014/main" id="{EEB33FD0-B72C-175F-823B-9D5E252EFE08}"/>
               </a:ext>
             </a:extLst>
           </p:cNvPr>
@@ -580,7 +580,7 @@
           <p:cNvPr id="3" name="竖排文字占位符 2">
             <a:extLst>
               <a:ext uri="{FF2B5EF4-FFF2-40B4-BE49-F238E27FC236}">
-                <a16:creationId xmlns:a16="http://schemas.microsoft.com/office/drawing/2014/main" id="{35C073CF-FB24-3CA8-9E5A-E775B6BA580C}"/>
+                <a16:creationId xmlns:a16="http://schemas.microsoft.com/office/drawing/2014/main" id="{65146738-B842-0E68-0C13-F88ED6F6BCE5}"/>
               </a:ext>
             </a:extLst>
           </p:cNvPr>
@@ -642,7 +642,7 @@
           <p:cNvPr id="4" name="日期占位符 3">
             <a:extLst>
               <a:ext uri="{FF2B5EF4-FFF2-40B4-BE49-F238E27FC236}">
-                <a16:creationId xmlns:a16="http://schemas.microsoft.com/office/drawing/2014/main" id="{AB541BDC-8599-B0EF-22FD-375A6B2C089E}"/>
+                <a16:creationId xmlns:a16="http://schemas.microsoft.com/office/drawing/2014/main" id="{5D1124E2-9CAE-BEC5-D2F4-CCC73C2A7438}"/>
               </a:ext>
             </a:extLst>
           </p:cNvPr>
@@ -658,7 +658,7 @@
           <a:bodyPr/>
           <a:lstStyle/>
           <a:p>
-            <a:fld id="{7CD8A7B3-DA0D-4616-9087-88E32F73DFAE}" type="datetimeFigureOut">
+            <a:fld id="{9A8B6693-4FB6-41D6-A1F7-B8BC29B86B07}" type="datetimeFigureOut">
               <a:rPr lang="zh-CN" altLang="en-US" smtClean="0"/>
               <a:t>2024/3/10</a:t>
             </a:fld>
@@ -671,7 +671,7 @@
           <p:cNvPr id="5" name="页脚占位符 4">
             <a:extLst>
               <a:ext uri="{FF2B5EF4-FFF2-40B4-BE49-F238E27FC236}">
-                <a16:creationId xmlns:a16="http://schemas.microsoft.com/office/drawing/2014/main" id="{1290B0BC-4BFC-0CC8-BF02-27ED1777F1D5}"/>
+                <a16:creationId xmlns:a16="http://schemas.microsoft.com/office/drawing/2014/main" id="{B90C07C5-8D0E-EF5A-E5CF-C1AF9D2A59D9}"/>
               </a:ext>
             </a:extLst>
           </p:cNvPr>
@@ -696,7 +696,7 @@
           <p:cNvPr id="6" name="灯片编号占位符 5">
             <a:extLst>
               <a:ext uri="{FF2B5EF4-FFF2-40B4-BE49-F238E27FC236}">
-                <a16:creationId xmlns:a16="http://schemas.microsoft.com/office/drawing/2014/main" id="{561A89CC-E4B0-5BC6-4E31-99670A3BD19D}"/>
+                <a16:creationId xmlns:a16="http://schemas.microsoft.com/office/drawing/2014/main" id="{556DC182-700A-CAAE-5281-5A3E3A881932}"/>
               </a:ext>
             </a:extLst>
           </p:cNvPr>
@@ -712,7 +712,7 @@
           <a:bodyPr/>
           <a:lstStyle/>
           <a:p>
-            <a:fld id="{E0CFA04E-AD7E-44F7-8530-55B59C526578}" type="slidenum">
+            <a:fld id="{63210E79-40E4-4571-A75B-5430D28B5630}" type="slidenum">
               <a:rPr lang="zh-CN" altLang="en-US" smtClean="0"/>
               <a:t>‹#›</a:t>
             </a:fld>
@@ -723,7 +723,7 @@
     </p:spTree>
     <p:extLst>
       <p:ext uri="{BB962C8B-B14F-4D97-AF65-F5344CB8AC3E}">
-        <p14:creationId xmlns:p14="http://schemas.microsoft.com/office/powerpoint/2010/main" val="3237720547"/>
+        <p14:creationId xmlns:p14="http://schemas.microsoft.com/office/powerpoint/2010/main" val="3419180803"/>
       </p:ext>
     </p:extLst>
   </p:cSld>
@@ -755,7 +755,7 @@
           <p:cNvPr id="2" name="标题 1">
             <a:extLst>
               <a:ext uri="{FF2B5EF4-FFF2-40B4-BE49-F238E27FC236}">
-                <a16:creationId xmlns:a16="http://schemas.microsoft.com/office/drawing/2014/main" id="{4CF4AF60-7116-1821-D1B4-187C126390FB}"/>
+                <a16:creationId xmlns:a16="http://schemas.microsoft.com/office/drawing/2014/main" id="{1E44E3E9-A978-C221-3292-E65B1D555782}"/>
               </a:ext>
             </a:extLst>
           </p:cNvPr>
@@ -783,7 +783,7 @@
           <p:cNvPr id="3" name="内容占位符 2">
             <a:extLst>
               <a:ext uri="{FF2B5EF4-FFF2-40B4-BE49-F238E27FC236}">
-                <a16:creationId xmlns:a16="http://schemas.microsoft.com/office/drawing/2014/main" id="{D8543B6C-79D0-1B2C-0C40-2498DDA9CCA2}"/>
+                <a16:creationId xmlns:a16="http://schemas.microsoft.com/office/drawing/2014/main" id="{92AE5039-92C1-FAFF-4992-7983B7399B88}"/>
               </a:ext>
             </a:extLst>
           </p:cNvPr>
@@ -840,7 +840,7 @@
           <p:cNvPr id="4" name="日期占位符 3">
             <a:extLst>
               <a:ext uri="{FF2B5EF4-FFF2-40B4-BE49-F238E27FC236}">
-                <a16:creationId xmlns:a16="http://schemas.microsoft.com/office/drawing/2014/main" id="{8161B45D-50C1-1777-9951-6178D37C95BA}"/>
+                <a16:creationId xmlns:a16="http://schemas.microsoft.com/office/drawing/2014/main" id="{6F579485-B6EC-205C-ADD5-7690BD35E8AC}"/>
               </a:ext>
             </a:extLst>
           </p:cNvPr>
@@ -856,7 +856,7 @@
           <a:bodyPr/>
           <a:lstStyle/>
           <a:p>
-            <a:fld id="{7CD8A7B3-DA0D-4616-9087-88E32F73DFAE}" type="datetimeFigureOut">
+            <a:fld id="{9A8B6693-4FB6-41D6-A1F7-B8BC29B86B07}" type="datetimeFigureOut">
               <a:rPr lang="zh-CN" altLang="en-US" smtClean="0"/>
               <a:t>2024/3/10</a:t>
             </a:fld>
@@ -869,7 +869,7 @@
           <p:cNvPr id="5" name="页脚占位符 4">
             <a:extLst>
               <a:ext uri="{FF2B5EF4-FFF2-40B4-BE49-F238E27FC236}">
-                <a16:creationId xmlns:a16="http://schemas.microsoft.com/office/drawing/2014/main" id="{C2E4B75F-2D95-8F29-0CBA-B9BC6782F070}"/>
+                <a16:creationId xmlns:a16="http://schemas.microsoft.com/office/drawing/2014/main" id="{48BB229D-AFA8-CED2-0403-39F3DE7455B9}"/>
               </a:ext>
             </a:extLst>
           </p:cNvPr>
@@ -894,7 +894,7 @@
           <p:cNvPr id="6" name="灯片编号占位符 5">
             <a:extLst>
               <a:ext uri="{FF2B5EF4-FFF2-40B4-BE49-F238E27FC236}">
-                <a16:creationId xmlns:a16="http://schemas.microsoft.com/office/drawing/2014/main" id="{08CB9FD0-CF3D-11BD-1C60-8551E836EFCA}"/>
+                <a16:creationId xmlns:a16="http://schemas.microsoft.com/office/drawing/2014/main" id="{EE1CFA97-0CA7-9844-3F03-8604FF9902CF}"/>
               </a:ext>
             </a:extLst>
           </p:cNvPr>
@@ -910,7 +910,7 @@
           <a:bodyPr/>
           <a:lstStyle/>
           <a:p>
-            <a:fld id="{E0CFA04E-AD7E-44F7-8530-55B59C526578}" type="slidenum">
+            <a:fld id="{63210E79-40E4-4571-A75B-5430D28B5630}" type="slidenum">
               <a:rPr lang="zh-CN" altLang="en-US" smtClean="0"/>
               <a:t>‹#›</a:t>
             </a:fld>
@@ -921,7 +921,7 @@
     </p:spTree>
     <p:extLst>
       <p:ext uri="{BB962C8B-B14F-4D97-AF65-F5344CB8AC3E}">
-        <p14:creationId xmlns:p14="http://schemas.microsoft.com/office/powerpoint/2010/main" val="3232730252"/>
+        <p14:creationId xmlns:p14="http://schemas.microsoft.com/office/powerpoint/2010/main" val="1439244829"/>
       </p:ext>
     </p:extLst>
   </p:cSld>
@@ -953,7 +953,7 @@
           <p:cNvPr id="2" name="标题 1">
             <a:extLst>
               <a:ext uri="{FF2B5EF4-FFF2-40B4-BE49-F238E27FC236}">
-                <a16:creationId xmlns:a16="http://schemas.microsoft.com/office/drawing/2014/main" id="{9525961D-8CE3-B4AB-4DC9-28CEE2EAC52F}"/>
+                <a16:creationId xmlns:a16="http://schemas.microsoft.com/office/drawing/2014/main" id="{D84727D6-0424-6FB6-488E-2A76F7FC9A18}"/>
               </a:ext>
             </a:extLst>
           </p:cNvPr>
@@ -990,7 +990,7 @@
           <p:cNvPr id="3" name="文本占位符 2">
             <a:extLst>
               <a:ext uri="{FF2B5EF4-FFF2-40B4-BE49-F238E27FC236}">
-                <a16:creationId xmlns:a16="http://schemas.microsoft.com/office/drawing/2014/main" id="{BB881618-7BCC-5F7D-8BBC-3E164CDC415E}"/>
+                <a16:creationId xmlns:a16="http://schemas.microsoft.com/office/drawing/2014/main" id="{5AF1BB30-391F-03B1-F922-42C18453EFE0}"/>
               </a:ext>
             </a:extLst>
           </p:cNvPr>
@@ -1115,7 +1115,7 @@
           <p:cNvPr id="4" name="日期占位符 3">
             <a:extLst>
               <a:ext uri="{FF2B5EF4-FFF2-40B4-BE49-F238E27FC236}">
-                <a16:creationId xmlns:a16="http://schemas.microsoft.com/office/drawing/2014/main" id="{8436E2A0-33F9-19F5-618E-B6C2B6047AE7}"/>
+                <a16:creationId xmlns:a16="http://schemas.microsoft.com/office/drawing/2014/main" id="{AD67EE8D-B267-73F0-F8D5-DE313CE1556D}"/>
               </a:ext>
             </a:extLst>
           </p:cNvPr>
@@ -1131,7 +1131,7 @@
           <a:bodyPr/>
           <a:lstStyle/>
           <a:p>
-            <a:fld id="{7CD8A7B3-DA0D-4616-9087-88E32F73DFAE}" type="datetimeFigureOut">
+            <a:fld id="{9A8B6693-4FB6-41D6-A1F7-B8BC29B86B07}" type="datetimeFigureOut">
               <a:rPr lang="zh-CN" altLang="en-US" smtClean="0"/>
               <a:t>2024/3/10</a:t>
             </a:fld>
@@ -1144,7 +1144,7 @@
           <p:cNvPr id="5" name="页脚占位符 4">
             <a:extLst>
               <a:ext uri="{FF2B5EF4-FFF2-40B4-BE49-F238E27FC236}">
-                <a16:creationId xmlns:a16="http://schemas.microsoft.com/office/drawing/2014/main" id="{646F4533-9F40-BB8D-E542-50744E4B19C1}"/>
+                <a16:creationId xmlns:a16="http://schemas.microsoft.com/office/drawing/2014/main" id="{A624FB05-530F-3F1D-558A-0A18669B30F2}"/>
               </a:ext>
             </a:extLst>
           </p:cNvPr>
@@ -1169,7 +1169,7 @@
           <p:cNvPr id="6" name="灯片编号占位符 5">
             <a:extLst>
               <a:ext uri="{FF2B5EF4-FFF2-40B4-BE49-F238E27FC236}">
-                <a16:creationId xmlns:a16="http://schemas.microsoft.com/office/drawing/2014/main" id="{13AAC724-9E5B-D4DA-AED0-68D0DBE5F1D1}"/>
+                <a16:creationId xmlns:a16="http://schemas.microsoft.com/office/drawing/2014/main" id="{7EBBE8B5-4259-8716-5695-0B333C9C41C4}"/>
               </a:ext>
             </a:extLst>
           </p:cNvPr>
@@ -1185,7 +1185,7 @@
           <a:bodyPr/>
           <a:lstStyle/>
           <a:p>
-            <a:fld id="{E0CFA04E-AD7E-44F7-8530-55B59C526578}" type="slidenum">
+            <a:fld id="{63210E79-40E4-4571-A75B-5430D28B5630}" type="slidenum">
               <a:rPr lang="zh-CN" altLang="en-US" smtClean="0"/>
               <a:t>‹#›</a:t>
             </a:fld>
@@ -1196,7 +1196,7 @@
     </p:spTree>
     <p:extLst>
       <p:ext uri="{BB962C8B-B14F-4D97-AF65-F5344CB8AC3E}">
-        <p14:creationId xmlns:p14="http://schemas.microsoft.com/office/powerpoint/2010/main" val="2107593539"/>
+        <p14:creationId xmlns:p14="http://schemas.microsoft.com/office/powerpoint/2010/main" val="1165518671"/>
       </p:ext>
     </p:extLst>
   </p:cSld>
@@ -1228,7 +1228,7 @@
           <p:cNvPr id="2" name="标题 1">
             <a:extLst>
               <a:ext uri="{FF2B5EF4-FFF2-40B4-BE49-F238E27FC236}">
-                <a16:creationId xmlns:a16="http://schemas.microsoft.com/office/drawing/2014/main" id="{F0ED72C8-20A1-7C49-A6CE-EAAAC0B50A4E}"/>
+                <a16:creationId xmlns:a16="http://schemas.microsoft.com/office/drawing/2014/main" id="{208073BB-E587-281A-F749-7C494B7444F8}"/>
               </a:ext>
             </a:extLst>
           </p:cNvPr>
@@ -1256,7 +1256,7 @@
           <p:cNvPr id="3" name="内容占位符 2">
             <a:extLst>
               <a:ext uri="{FF2B5EF4-FFF2-40B4-BE49-F238E27FC236}">
-                <a16:creationId xmlns:a16="http://schemas.microsoft.com/office/drawing/2014/main" id="{5D787AFC-DE29-CCF1-247F-C02954AF8A9A}"/>
+                <a16:creationId xmlns:a16="http://schemas.microsoft.com/office/drawing/2014/main" id="{C5CF20DA-AA86-772D-DEFB-9F60991004F6}"/>
               </a:ext>
             </a:extLst>
           </p:cNvPr>
@@ -1318,7 +1318,7 @@
           <p:cNvPr id="4" name="内容占位符 3">
             <a:extLst>
               <a:ext uri="{FF2B5EF4-FFF2-40B4-BE49-F238E27FC236}">
-                <a16:creationId xmlns:a16="http://schemas.microsoft.com/office/drawing/2014/main" id="{8C87B5D6-B504-DD34-F3D5-8F39E83844D6}"/>
+                <a16:creationId xmlns:a16="http://schemas.microsoft.com/office/drawing/2014/main" id="{2911ABC8-AEC8-B46E-40E0-2F2E1B767653}"/>
               </a:ext>
             </a:extLst>
           </p:cNvPr>
@@ -1380,7 +1380,7 @@
           <p:cNvPr id="5" name="日期占位符 4">
             <a:extLst>
               <a:ext uri="{FF2B5EF4-FFF2-40B4-BE49-F238E27FC236}">
-                <a16:creationId xmlns:a16="http://schemas.microsoft.com/office/drawing/2014/main" id="{FF0A03C5-BDE7-6286-AA9D-BF240C3FC98C}"/>
+                <a16:creationId xmlns:a16="http://schemas.microsoft.com/office/drawing/2014/main" id="{19EC0E6E-1DB4-A8A5-EB79-B640CC724235}"/>
               </a:ext>
             </a:extLst>
           </p:cNvPr>
@@ -1396,7 +1396,7 @@
           <a:bodyPr/>
           <a:lstStyle/>
           <a:p>
-            <a:fld id="{7CD8A7B3-DA0D-4616-9087-88E32F73DFAE}" type="datetimeFigureOut">
+            <a:fld id="{9A8B6693-4FB6-41D6-A1F7-B8BC29B86B07}" type="datetimeFigureOut">
               <a:rPr lang="zh-CN" altLang="en-US" smtClean="0"/>
               <a:t>2024/3/10</a:t>
             </a:fld>
@@ -1409,7 +1409,7 @@
           <p:cNvPr id="6" name="页脚占位符 5">
             <a:extLst>
               <a:ext uri="{FF2B5EF4-FFF2-40B4-BE49-F238E27FC236}">
-                <a16:creationId xmlns:a16="http://schemas.microsoft.com/office/drawing/2014/main" id="{B63EB65E-52CB-826D-1507-3AA9B0D3BC63}"/>
+                <a16:creationId xmlns:a16="http://schemas.microsoft.com/office/drawing/2014/main" id="{4DA2604A-2229-8D43-4ECE-2BFC5E9833BA}"/>
               </a:ext>
             </a:extLst>
           </p:cNvPr>
@@ -1434,7 +1434,7 @@
           <p:cNvPr id="7" name="灯片编号占位符 6">
             <a:extLst>
               <a:ext uri="{FF2B5EF4-FFF2-40B4-BE49-F238E27FC236}">
-                <a16:creationId xmlns:a16="http://schemas.microsoft.com/office/drawing/2014/main" id="{CC0EC471-FCE5-99E1-8234-D083867911D0}"/>
+                <a16:creationId xmlns:a16="http://schemas.microsoft.com/office/drawing/2014/main" id="{70E8996E-23E1-F1ED-DC69-FA26A72AC195}"/>
               </a:ext>
             </a:extLst>
           </p:cNvPr>
@@ -1450,7 +1450,7 @@
           <a:bodyPr/>
           <a:lstStyle/>
           <a:p>
-            <a:fld id="{E0CFA04E-AD7E-44F7-8530-55B59C526578}" type="slidenum">
+            <a:fld id="{63210E79-40E4-4571-A75B-5430D28B5630}" type="slidenum">
               <a:rPr lang="zh-CN" altLang="en-US" smtClean="0"/>
               <a:t>‹#›</a:t>
             </a:fld>
@@ -1461,7 +1461,7 @@
     </p:spTree>
     <p:extLst>
       <p:ext uri="{BB962C8B-B14F-4D97-AF65-F5344CB8AC3E}">
-        <p14:creationId xmlns:p14="http://schemas.microsoft.com/office/powerpoint/2010/main" val="3140415559"/>
+        <p14:creationId xmlns:p14="http://schemas.microsoft.com/office/powerpoint/2010/main" val="1836784062"/>
       </p:ext>
     </p:extLst>
   </p:cSld>
@@ -1493,7 +1493,7 @@
           <p:cNvPr id="2" name="标题 1">
             <a:extLst>
               <a:ext uri="{FF2B5EF4-FFF2-40B4-BE49-F238E27FC236}">
-                <a16:creationId xmlns:a16="http://schemas.microsoft.com/office/drawing/2014/main" id="{DB7B291D-A504-EFBF-BA42-E1FDFD3683CE}"/>
+                <a16:creationId xmlns:a16="http://schemas.microsoft.com/office/drawing/2014/main" id="{DEF2DE6E-DB29-ABEE-90B2-56BD81BF3A7F}"/>
               </a:ext>
             </a:extLst>
           </p:cNvPr>
@@ -1526,7 +1526,7 @@
           <p:cNvPr id="3" name="文本占位符 2">
             <a:extLst>
               <a:ext uri="{FF2B5EF4-FFF2-40B4-BE49-F238E27FC236}">
-                <a16:creationId xmlns:a16="http://schemas.microsoft.com/office/drawing/2014/main" id="{03A08F9B-DC06-0C59-930C-61EB96352CB6}"/>
+                <a16:creationId xmlns:a16="http://schemas.microsoft.com/office/drawing/2014/main" id="{6C7FEA1C-0486-79F0-5E70-9C97B8F2B3F7}"/>
               </a:ext>
             </a:extLst>
           </p:cNvPr>
@@ -1597,7 +1597,7 @@
           <p:cNvPr id="4" name="内容占位符 3">
             <a:extLst>
               <a:ext uri="{FF2B5EF4-FFF2-40B4-BE49-F238E27FC236}">
-                <a16:creationId xmlns:a16="http://schemas.microsoft.com/office/drawing/2014/main" id="{647AB4F1-C562-6F48-481B-BC52C68A5B91}"/>
+                <a16:creationId xmlns:a16="http://schemas.microsoft.com/office/drawing/2014/main" id="{3A885456-38A8-2595-8036-A3FF1B9B5C69}"/>
               </a:ext>
             </a:extLst>
           </p:cNvPr>
@@ -1659,7 +1659,7 @@
           <p:cNvPr id="5" name="文本占位符 4">
             <a:extLst>
               <a:ext uri="{FF2B5EF4-FFF2-40B4-BE49-F238E27FC236}">
-                <a16:creationId xmlns:a16="http://schemas.microsoft.com/office/drawing/2014/main" id="{748A81AA-1A29-6D7C-D4A7-14C10F9084FD}"/>
+                <a16:creationId xmlns:a16="http://schemas.microsoft.com/office/drawing/2014/main" id="{CE9D775A-3FE1-342A-9999-5CBE12ADD762}"/>
               </a:ext>
             </a:extLst>
           </p:cNvPr>
@@ -1730,7 +1730,7 @@
           <p:cNvPr id="6" name="内容占位符 5">
             <a:extLst>
               <a:ext uri="{FF2B5EF4-FFF2-40B4-BE49-F238E27FC236}">
-                <a16:creationId xmlns:a16="http://schemas.microsoft.com/office/drawing/2014/main" id="{8B55A304-559A-8237-7441-B9D323624BF6}"/>
+                <a16:creationId xmlns:a16="http://schemas.microsoft.com/office/drawing/2014/main" id="{D02A3739-A7D6-4EB0-6C7A-EA2B6CE0E212}"/>
               </a:ext>
             </a:extLst>
           </p:cNvPr>
@@ -1792,7 +1792,7 @@
           <p:cNvPr id="7" name="日期占位符 6">
             <a:extLst>
               <a:ext uri="{FF2B5EF4-FFF2-40B4-BE49-F238E27FC236}">
-                <a16:creationId xmlns:a16="http://schemas.microsoft.com/office/drawing/2014/main" id="{149C3ED1-45B9-8500-8EE2-10A2E746A79A}"/>
+                <a16:creationId xmlns:a16="http://schemas.microsoft.com/office/drawing/2014/main" id="{9914C349-6E74-12B6-3038-DECA9DA36702}"/>
               </a:ext>
             </a:extLst>
           </p:cNvPr>
@@ -1808,7 +1808,7 @@
           <a:bodyPr/>
           <a:lstStyle/>
           <a:p>
-            <a:fld id="{7CD8A7B3-DA0D-4616-9087-88E32F73DFAE}" type="datetimeFigureOut">
+            <a:fld id="{9A8B6693-4FB6-41D6-A1F7-B8BC29B86B07}" type="datetimeFigureOut">
               <a:rPr lang="zh-CN" altLang="en-US" smtClean="0"/>
               <a:t>2024/3/10</a:t>
             </a:fld>
@@ -1821,7 +1821,7 @@
           <p:cNvPr id="8" name="页脚占位符 7">
             <a:extLst>
               <a:ext uri="{FF2B5EF4-FFF2-40B4-BE49-F238E27FC236}">
-                <a16:creationId xmlns:a16="http://schemas.microsoft.com/office/drawing/2014/main" id="{0884A3A4-ACE6-ECD0-3C4A-7B12AA93DFB0}"/>
+                <a16:creationId xmlns:a16="http://schemas.microsoft.com/office/drawing/2014/main" id="{FCA38567-4D91-3062-9DBB-E955F715881E}"/>
               </a:ext>
             </a:extLst>
           </p:cNvPr>
@@ -1846,7 +1846,7 @@
           <p:cNvPr id="9" name="灯片编号占位符 8">
             <a:extLst>
               <a:ext uri="{FF2B5EF4-FFF2-40B4-BE49-F238E27FC236}">
-                <a16:creationId xmlns:a16="http://schemas.microsoft.com/office/drawing/2014/main" id="{82FC52F0-31CE-475B-16B2-9FAA9A098E79}"/>
+                <a16:creationId xmlns:a16="http://schemas.microsoft.com/office/drawing/2014/main" id="{3604B327-7A76-8F19-612B-F820ECB63C17}"/>
               </a:ext>
             </a:extLst>
           </p:cNvPr>
@@ -1862,7 +1862,7 @@
           <a:bodyPr/>
           <a:lstStyle/>
           <a:p>
-            <a:fld id="{E0CFA04E-AD7E-44F7-8530-55B59C526578}" type="slidenum">
+            <a:fld id="{63210E79-40E4-4571-A75B-5430D28B5630}" type="slidenum">
               <a:rPr lang="zh-CN" altLang="en-US" smtClean="0"/>
               <a:t>‹#›</a:t>
             </a:fld>
@@ -1873,7 +1873,7 @@
     </p:spTree>
     <p:extLst>
       <p:ext uri="{BB962C8B-B14F-4D97-AF65-F5344CB8AC3E}">
-        <p14:creationId xmlns:p14="http://schemas.microsoft.com/office/powerpoint/2010/main" val="3172913642"/>
+        <p14:creationId xmlns:p14="http://schemas.microsoft.com/office/powerpoint/2010/main" val="2022116553"/>
       </p:ext>
     </p:extLst>
   </p:cSld>
@@ -1905,7 +1905,7 @@
           <p:cNvPr id="2" name="标题 1">
             <a:extLst>
               <a:ext uri="{FF2B5EF4-FFF2-40B4-BE49-F238E27FC236}">
-                <a16:creationId xmlns:a16="http://schemas.microsoft.com/office/drawing/2014/main" id="{C11ED649-25EA-21D9-2807-23FB695C3F15}"/>
+                <a16:creationId xmlns:a16="http://schemas.microsoft.com/office/drawing/2014/main" id="{12F18224-CA4B-7592-0DF6-859A45C50C46}"/>
               </a:ext>
             </a:extLst>
           </p:cNvPr>
@@ -1933,7 +1933,7 @@
           <p:cNvPr id="3" name="日期占位符 2">
             <a:extLst>
               <a:ext uri="{FF2B5EF4-FFF2-40B4-BE49-F238E27FC236}">
-                <a16:creationId xmlns:a16="http://schemas.microsoft.com/office/drawing/2014/main" id="{C907DAF8-7017-E13C-AECA-0682C0B984E5}"/>
+                <a16:creationId xmlns:a16="http://schemas.microsoft.com/office/drawing/2014/main" id="{BCF8DDB3-E577-DC9F-36DB-74B1FFEDA68D}"/>
               </a:ext>
             </a:extLst>
           </p:cNvPr>
@@ -1949,7 +1949,7 @@
           <a:bodyPr/>
           <a:lstStyle/>
           <a:p>
-            <a:fld id="{7CD8A7B3-DA0D-4616-9087-88E32F73DFAE}" type="datetimeFigureOut">
+            <a:fld id="{9A8B6693-4FB6-41D6-A1F7-B8BC29B86B07}" type="datetimeFigureOut">
               <a:rPr lang="zh-CN" altLang="en-US" smtClean="0"/>
               <a:t>2024/3/10</a:t>
             </a:fld>
@@ -1962,7 +1962,7 @@
           <p:cNvPr id="4" name="页脚占位符 3">
             <a:extLst>
               <a:ext uri="{FF2B5EF4-FFF2-40B4-BE49-F238E27FC236}">
-                <a16:creationId xmlns:a16="http://schemas.microsoft.com/office/drawing/2014/main" id="{75606FF0-5F5B-749B-5A93-EE2F0C000A00}"/>
+                <a16:creationId xmlns:a16="http://schemas.microsoft.com/office/drawing/2014/main" id="{CF1F65D3-60B2-82DE-7760-5F4C9E594BCD}"/>
               </a:ext>
             </a:extLst>
           </p:cNvPr>
@@ -1987,7 +1987,7 @@
           <p:cNvPr id="5" name="灯片编号占位符 4">
             <a:extLst>
               <a:ext uri="{FF2B5EF4-FFF2-40B4-BE49-F238E27FC236}">
-                <a16:creationId xmlns:a16="http://schemas.microsoft.com/office/drawing/2014/main" id="{133B74B0-2588-98E0-5FA7-4B679C1243A1}"/>
+                <a16:creationId xmlns:a16="http://schemas.microsoft.com/office/drawing/2014/main" id="{F87E91AD-33F1-E7AE-8E4C-B703B3F579F9}"/>
               </a:ext>
             </a:extLst>
           </p:cNvPr>
@@ -2003,7 +2003,7 @@
           <a:bodyPr/>
           <a:lstStyle/>
           <a:p>
-            <a:fld id="{E0CFA04E-AD7E-44F7-8530-55B59C526578}" type="slidenum">
+            <a:fld id="{63210E79-40E4-4571-A75B-5430D28B5630}" type="slidenum">
               <a:rPr lang="zh-CN" altLang="en-US" smtClean="0"/>
               <a:t>‹#›</a:t>
             </a:fld>
@@ -2014,7 +2014,7 @@
     </p:spTree>
     <p:extLst>
       <p:ext uri="{BB962C8B-B14F-4D97-AF65-F5344CB8AC3E}">
-        <p14:creationId xmlns:p14="http://schemas.microsoft.com/office/powerpoint/2010/main" val="632107766"/>
+        <p14:creationId xmlns:p14="http://schemas.microsoft.com/office/powerpoint/2010/main" val="3828269704"/>
       </p:ext>
     </p:extLst>
   </p:cSld>
@@ -2046,7 +2046,7 @@
           <p:cNvPr id="2" name="日期占位符 1">
             <a:extLst>
               <a:ext uri="{FF2B5EF4-FFF2-40B4-BE49-F238E27FC236}">
-                <a16:creationId xmlns:a16="http://schemas.microsoft.com/office/drawing/2014/main" id="{3CC2FF08-C8DE-167A-19A6-4C69EAEB4956}"/>
+                <a16:creationId xmlns:a16="http://schemas.microsoft.com/office/drawing/2014/main" id="{7DB23D03-408C-F3BD-BB7E-F6DF53D9DE24}"/>
               </a:ext>
             </a:extLst>
           </p:cNvPr>
@@ -2062,7 +2062,7 @@
           <a:bodyPr/>
           <a:lstStyle/>
           <a:p>
-            <a:fld id="{7CD8A7B3-DA0D-4616-9087-88E32F73DFAE}" type="datetimeFigureOut">
+            <a:fld id="{9A8B6693-4FB6-41D6-A1F7-B8BC29B86B07}" type="datetimeFigureOut">
               <a:rPr lang="zh-CN" altLang="en-US" smtClean="0"/>
               <a:t>2024/3/10</a:t>
             </a:fld>
@@ -2075,7 +2075,7 @@
           <p:cNvPr id="3" name="页脚占位符 2">
             <a:extLst>
               <a:ext uri="{FF2B5EF4-FFF2-40B4-BE49-F238E27FC236}">
-                <a16:creationId xmlns:a16="http://schemas.microsoft.com/office/drawing/2014/main" id="{6C190841-F1E2-DE75-B34E-C16BFD1566C9}"/>
+                <a16:creationId xmlns:a16="http://schemas.microsoft.com/office/drawing/2014/main" id="{B2EA0D8E-D9E3-4308-1DAC-9EA12BD6EBB3}"/>
               </a:ext>
             </a:extLst>
           </p:cNvPr>
@@ -2100,7 +2100,7 @@
           <p:cNvPr id="4" name="灯片编号占位符 3">
             <a:extLst>
               <a:ext uri="{FF2B5EF4-FFF2-40B4-BE49-F238E27FC236}">
-                <a16:creationId xmlns:a16="http://schemas.microsoft.com/office/drawing/2014/main" id="{3B1F5067-96E7-F242-CCAE-EC06D77A928D}"/>
+                <a16:creationId xmlns:a16="http://schemas.microsoft.com/office/drawing/2014/main" id="{5626D564-5491-5EA7-2F3E-2499DA0C0E55}"/>
               </a:ext>
             </a:extLst>
           </p:cNvPr>
@@ -2116,7 +2116,7 @@
           <a:bodyPr/>
           <a:lstStyle/>
           <a:p>
-            <a:fld id="{E0CFA04E-AD7E-44F7-8530-55B59C526578}" type="slidenum">
+            <a:fld id="{63210E79-40E4-4571-A75B-5430D28B5630}" type="slidenum">
               <a:rPr lang="zh-CN" altLang="en-US" smtClean="0"/>
               <a:t>‹#›</a:t>
             </a:fld>
@@ -2127,7 +2127,7 @@
     </p:spTree>
     <p:extLst>
       <p:ext uri="{BB962C8B-B14F-4D97-AF65-F5344CB8AC3E}">
-        <p14:creationId xmlns:p14="http://schemas.microsoft.com/office/powerpoint/2010/main" val="1017277198"/>
+        <p14:creationId xmlns:p14="http://schemas.microsoft.com/office/powerpoint/2010/main" val="4203239454"/>
       </p:ext>
     </p:extLst>
   </p:cSld>
@@ -2159,7 +2159,7 @@
           <p:cNvPr id="2" name="标题 1">
             <a:extLst>
               <a:ext uri="{FF2B5EF4-FFF2-40B4-BE49-F238E27FC236}">
-                <a16:creationId xmlns:a16="http://schemas.microsoft.com/office/drawing/2014/main" id="{AAFCABEC-502A-8C0F-E9F9-CB7580BDB817}"/>
+                <a16:creationId xmlns:a16="http://schemas.microsoft.com/office/drawing/2014/main" id="{AD3A0227-55E8-7C67-27ED-DD4060D7DC0E}"/>
               </a:ext>
             </a:extLst>
           </p:cNvPr>
@@ -2196,7 +2196,7 @@
           <p:cNvPr id="3" name="内容占位符 2">
             <a:extLst>
               <a:ext uri="{FF2B5EF4-FFF2-40B4-BE49-F238E27FC236}">
-                <a16:creationId xmlns:a16="http://schemas.microsoft.com/office/drawing/2014/main" id="{46973C17-4C05-4D7A-B63C-367A39B31BAF}"/>
+                <a16:creationId xmlns:a16="http://schemas.microsoft.com/office/drawing/2014/main" id="{5337AD28-4920-E402-2F1C-B3EC131D8DDF}"/>
               </a:ext>
             </a:extLst>
           </p:cNvPr>
@@ -2286,7 +2286,7 @@
           <p:cNvPr id="4" name="文本占位符 3">
             <a:extLst>
               <a:ext uri="{FF2B5EF4-FFF2-40B4-BE49-F238E27FC236}">
-                <a16:creationId xmlns:a16="http://schemas.microsoft.com/office/drawing/2014/main" id="{5C352F67-1231-AAB8-F676-8C19894ECF42}"/>
+                <a16:creationId xmlns:a16="http://schemas.microsoft.com/office/drawing/2014/main" id="{F3F59FCB-1BB8-9E62-C126-7872F9369595}"/>
               </a:ext>
             </a:extLst>
           </p:cNvPr>
@@ -2357,7 +2357,7 @@
           <p:cNvPr id="5" name="日期占位符 4">
             <a:extLst>
               <a:ext uri="{FF2B5EF4-FFF2-40B4-BE49-F238E27FC236}">
-                <a16:creationId xmlns:a16="http://schemas.microsoft.com/office/drawing/2014/main" id="{BB184A62-F40C-E3D3-7B4E-F36577F9FD93}"/>
+                <a16:creationId xmlns:a16="http://schemas.microsoft.com/office/drawing/2014/main" id="{F9EE55F1-EFFF-49C6-B4A9-3EF9F395C067}"/>
               </a:ext>
             </a:extLst>
           </p:cNvPr>
@@ -2373,7 +2373,7 @@
           <a:bodyPr/>
           <a:lstStyle/>
           <a:p>
-            <a:fld id="{7CD8A7B3-DA0D-4616-9087-88E32F73DFAE}" type="datetimeFigureOut">
+            <a:fld id="{9A8B6693-4FB6-41D6-A1F7-B8BC29B86B07}" type="datetimeFigureOut">
               <a:rPr lang="zh-CN" altLang="en-US" smtClean="0"/>
               <a:t>2024/3/10</a:t>
             </a:fld>
@@ -2386,7 +2386,7 @@
           <p:cNvPr id="6" name="页脚占位符 5">
             <a:extLst>
               <a:ext uri="{FF2B5EF4-FFF2-40B4-BE49-F238E27FC236}">
-                <a16:creationId xmlns:a16="http://schemas.microsoft.com/office/drawing/2014/main" id="{C538B090-7C00-BB8A-30A0-48BF81CE7B18}"/>
+                <a16:creationId xmlns:a16="http://schemas.microsoft.com/office/drawing/2014/main" id="{38577936-3CDC-5287-C39D-C8A36FD1C9A7}"/>
               </a:ext>
             </a:extLst>
           </p:cNvPr>
@@ -2411,7 +2411,7 @@
           <p:cNvPr id="7" name="灯片编号占位符 6">
             <a:extLst>
               <a:ext uri="{FF2B5EF4-FFF2-40B4-BE49-F238E27FC236}">
-                <a16:creationId xmlns:a16="http://schemas.microsoft.com/office/drawing/2014/main" id="{496E2843-4BB2-E565-0421-683BDBA0CCAA}"/>
+                <a16:creationId xmlns:a16="http://schemas.microsoft.com/office/drawing/2014/main" id="{7F01BD7A-60EC-F6BB-332E-38AE70268285}"/>
               </a:ext>
             </a:extLst>
           </p:cNvPr>
@@ -2427,7 +2427,7 @@
           <a:bodyPr/>
           <a:lstStyle/>
           <a:p>
-            <a:fld id="{E0CFA04E-AD7E-44F7-8530-55B59C526578}" type="slidenum">
+            <a:fld id="{63210E79-40E4-4571-A75B-5430D28B5630}" type="slidenum">
               <a:rPr lang="zh-CN" altLang="en-US" smtClean="0"/>
               <a:t>‹#›</a:t>
             </a:fld>
@@ -2438,7 +2438,7 @@
     </p:spTree>
     <p:extLst>
       <p:ext uri="{BB962C8B-B14F-4D97-AF65-F5344CB8AC3E}">
-        <p14:creationId xmlns:p14="http://schemas.microsoft.com/office/powerpoint/2010/main" val="1053727815"/>
+        <p14:creationId xmlns:p14="http://schemas.microsoft.com/office/powerpoint/2010/main" val="1447744650"/>
       </p:ext>
     </p:extLst>
   </p:cSld>
@@ -2470,7 +2470,7 @@
           <p:cNvPr id="2" name="标题 1">
             <a:extLst>
               <a:ext uri="{FF2B5EF4-FFF2-40B4-BE49-F238E27FC236}">
-                <a16:creationId xmlns:a16="http://schemas.microsoft.com/office/drawing/2014/main" id="{7A159D7D-A727-75DA-1D9A-BBF1AD5D8B34}"/>
+                <a16:creationId xmlns:a16="http://schemas.microsoft.com/office/drawing/2014/main" id="{5D242879-0174-392E-AA62-06E2FA6FEE2F}"/>
               </a:ext>
             </a:extLst>
           </p:cNvPr>
@@ -2507,7 +2507,7 @@
           <p:cNvPr id="3" name="图片占位符 2">
             <a:extLst>
               <a:ext uri="{FF2B5EF4-FFF2-40B4-BE49-F238E27FC236}">
-                <a16:creationId xmlns:a16="http://schemas.microsoft.com/office/drawing/2014/main" id="{8D3EB6A9-32E6-D6CC-0A12-FE9A9A5E8E17}"/>
+                <a16:creationId xmlns:a16="http://schemas.microsoft.com/office/drawing/2014/main" id="{681387EF-1F64-0600-583B-407ABC048CD1}"/>
               </a:ext>
             </a:extLst>
           </p:cNvPr>
@@ -2574,7 +2574,7 @@
           <p:cNvPr id="4" name="文本占位符 3">
             <a:extLst>
               <a:ext uri="{FF2B5EF4-FFF2-40B4-BE49-F238E27FC236}">
-                <a16:creationId xmlns:a16="http://schemas.microsoft.com/office/drawing/2014/main" id="{C508F745-4346-B93D-762A-49000705928D}"/>
+                <a16:creationId xmlns:a16="http://schemas.microsoft.com/office/drawing/2014/main" id="{75BCE8E2-3012-5DC9-BBBD-ABA31E4A16EE}"/>
               </a:ext>
             </a:extLst>
           </p:cNvPr>
@@ -2645,7 +2645,7 @@
           <p:cNvPr id="5" name="日期占位符 4">
             <a:extLst>
               <a:ext uri="{FF2B5EF4-FFF2-40B4-BE49-F238E27FC236}">
-                <a16:creationId xmlns:a16="http://schemas.microsoft.com/office/drawing/2014/main" id="{CEC67072-7A4E-94E9-72CD-AF4FE4C005A6}"/>
+                <a16:creationId xmlns:a16="http://schemas.microsoft.com/office/drawing/2014/main" id="{61C2EA62-E93B-3323-B51B-C0A4C9160DC0}"/>
               </a:ext>
             </a:extLst>
           </p:cNvPr>
@@ -2661,7 +2661,7 @@
           <a:bodyPr/>
           <a:lstStyle/>
           <a:p>
-            <a:fld id="{7CD8A7B3-DA0D-4616-9087-88E32F73DFAE}" type="datetimeFigureOut">
+            <a:fld id="{9A8B6693-4FB6-41D6-A1F7-B8BC29B86B07}" type="datetimeFigureOut">
               <a:rPr lang="zh-CN" altLang="en-US" smtClean="0"/>
               <a:t>2024/3/10</a:t>
             </a:fld>
@@ -2674,7 +2674,7 @@
           <p:cNvPr id="6" name="页脚占位符 5">
             <a:extLst>
               <a:ext uri="{FF2B5EF4-FFF2-40B4-BE49-F238E27FC236}">
-                <a16:creationId xmlns:a16="http://schemas.microsoft.com/office/drawing/2014/main" id="{052E6ED5-241F-D96E-F999-B64FAB899A5E}"/>
+                <a16:creationId xmlns:a16="http://schemas.microsoft.com/office/drawing/2014/main" id="{741CA520-A2E5-D915-3CFA-FA7810C2D96E}"/>
               </a:ext>
             </a:extLst>
           </p:cNvPr>
@@ -2699,7 +2699,7 @@
           <p:cNvPr id="7" name="灯片编号占位符 6">
             <a:extLst>
               <a:ext uri="{FF2B5EF4-FFF2-40B4-BE49-F238E27FC236}">
-                <a16:creationId xmlns:a16="http://schemas.microsoft.com/office/drawing/2014/main" id="{CE1B9006-A425-097B-7DC4-7F7E81075AD7}"/>
+                <a16:creationId xmlns:a16="http://schemas.microsoft.com/office/drawing/2014/main" id="{EEA49264-A04B-CB16-CAD5-97580CB9DD47}"/>
               </a:ext>
             </a:extLst>
           </p:cNvPr>
@@ -2715,7 +2715,7 @@
           <a:bodyPr/>
           <a:lstStyle/>
           <a:p>
-            <a:fld id="{E0CFA04E-AD7E-44F7-8530-55B59C526578}" type="slidenum">
+            <a:fld id="{63210E79-40E4-4571-A75B-5430D28B5630}" type="slidenum">
               <a:rPr lang="zh-CN" altLang="en-US" smtClean="0"/>
               <a:t>‹#›</a:t>
             </a:fld>
@@ -2726,7 +2726,7 @@
     </p:spTree>
     <p:extLst>
       <p:ext uri="{BB962C8B-B14F-4D97-AF65-F5344CB8AC3E}">
-        <p14:creationId xmlns:p14="http://schemas.microsoft.com/office/powerpoint/2010/main" val="2948342161"/>
+        <p14:creationId xmlns:p14="http://schemas.microsoft.com/office/powerpoint/2010/main" val="985022788"/>
       </p:ext>
     </p:extLst>
   </p:cSld>
@@ -2763,7 +2763,7 @@
           <p:cNvPr id="2" name="标题占位符 1">
             <a:extLst>
               <a:ext uri="{FF2B5EF4-FFF2-40B4-BE49-F238E27FC236}">
-                <a16:creationId xmlns:a16="http://schemas.microsoft.com/office/drawing/2014/main" id="{1EA0C370-D9C3-9215-E13C-59D4C841917F}"/>
+                <a16:creationId xmlns:a16="http://schemas.microsoft.com/office/drawing/2014/main" id="{6123E6A1-21C7-A631-9BF0-3CAAB92415B7}"/>
               </a:ext>
             </a:extLst>
           </p:cNvPr>
@@ -2801,7 +2801,7 @@
           <p:cNvPr id="3" name="文本占位符 2">
             <a:extLst>
               <a:ext uri="{FF2B5EF4-FFF2-40B4-BE49-F238E27FC236}">
-                <a16:creationId xmlns:a16="http://schemas.microsoft.com/office/drawing/2014/main" id="{E2633581-D38F-CE29-B215-5253C98CB97F}"/>
+                <a16:creationId xmlns:a16="http://schemas.microsoft.com/office/drawing/2014/main" id="{3CB49A28-0DB6-A65C-E8E5-A254208813F9}"/>
               </a:ext>
             </a:extLst>
           </p:cNvPr>
@@ -2868,7 +2868,7 @@
           <p:cNvPr id="4" name="日期占位符 3">
             <a:extLst>
               <a:ext uri="{FF2B5EF4-FFF2-40B4-BE49-F238E27FC236}">
-                <a16:creationId xmlns:a16="http://schemas.microsoft.com/office/drawing/2014/main" id="{2D00CB40-3E78-47D2-A082-0E3CCFF1D64C}"/>
+                <a16:creationId xmlns:a16="http://schemas.microsoft.com/office/drawing/2014/main" id="{62A10C69-04FE-DE69-A7FA-8BAF484A661B}"/>
               </a:ext>
             </a:extLst>
           </p:cNvPr>
@@ -2902,7 +2902,7 @@
             </a:lvl1pPr>
           </a:lstStyle>
           <a:p>
-            <a:fld id="{7CD8A7B3-DA0D-4616-9087-88E32F73DFAE}" type="datetimeFigureOut">
+            <a:fld id="{9A8B6693-4FB6-41D6-A1F7-B8BC29B86B07}" type="datetimeFigureOut">
               <a:rPr lang="zh-CN" altLang="en-US" smtClean="0"/>
               <a:t>2024/3/10</a:t>
             </a:fld>
@@ -2915,7 +2915,7 @@
           <p:cNvPr id="5" name="页脚占位符 4">
             <a:extLst>
               <a:ext uri="{FF2B5EF4-FFF2-40B4-BE49-F238E27FC236}">
-                <a16:creationId xmlns:a16="http://schemas.microsoft.com/office/drawing/2014/main" id="{DD08457E-5AA5-3DC7-D3C5-70B7C491C305}"/>
+                <a16:creationId xmlns:a16="http://schemas.microsoft.com/office/drawing/2014/main" id="{563A1483-A24B-BE3E-5831-F0DF8921CE23}"/>
               </a:ext>
             </a:extLst>
           </p:cNvPr>
@@ -2958,7 +2958,7 @@
           <p:cNvPr id="6" name="灯片编号占位符 5">
             <a:extLst>
               <a:ext uri="{FF2B5EF4-FFF2-40B4-BE49-F238E27FC236}">
-                <a16:creationId xmlns:a16="http://schemas.microsoft.com/office/drawing/2014/main" id="{5455B265-50E4-EA54-2557-E003C897DE8E}"/>
+                <a16:creationId xmlns:a16="http://schemas.microsoft.com/office/drawing/2014/main" id="{53330F6D-9D9E-A52E-B8F0-F2011CE47BD9}"/>
               </a:ext>
             </a:extLst>
           </p:cNvPr>
@@ -2992,7 +2992,7 @@
             </a:lvl1pPr>
           </a:lstStyle>
           <a:p>
-            <a:fld id="{E0CFA04E-AD7E-44F7-8530-55B59C526578}" type="slidenum">
+            <a:fld id="{63210E79-40E4-4571-A75B-5430D28B5630}" type="slidenum">
               <a:rPr lang="zh-CN" altLang="en-US" smtClean="0"/>
               <a:t>‹#›</a:t>
             </a:fld>
@@ -3003,7 +3003,7 @@
     </p:spTree>
     <p:extLst>
       <p:ext uri="{BB962C8B-B14F-4D97-AF65-F5344CB8AC3E}">
-        <p14:creationId xmlns:p14="http://schemas.microsoft.com/office/powerpoint/2010/main" val="1419485421"/>
+        <p14:creationId xmlns:p14="http://schemas.microsoft.com/office/powerpoint/2010/main" val="3370110878"/>
       </p:ext>
     </p:extLst>
   </p:cSld>
